--- a/FAKE-NEWS-DETECTION.pptx
+++ b/FAKE-NEWS-DETECTION.pptx
@@ -242,7 +242,7 @@
           <a:p>
             <a:fld id="{9D8190EA-5EEC-4300-B6AE-D9734C6C648E}" type="datetimeFigureOut">
               <a:rPr lang="en-US" smtClean="0"/>
-              <a:t>8/3/2025</a:t>
+              <a:t>8/4/2025</a:t>
             </a:fld>
             <a:endParaRPr lang="en-US" dirty="0"/>
           </a:p>
@@ -419,7 +419,7 @@
           <a:p>
             <a:fld id="{7487ADD9-2083-264C-A652-8D52D02F7E72}" type="datetimeFigureOut">
               <a:rPr lang="en-US" smtClean="0"/>
-              <a:t>8/3/2025</a:t>
+              <a:t>8/4/2025</a:t>
             </a:fld>
             <a:endParaRPr lang="en-US" dirty="0"/>
           </a:p>
@@ -13650,13 +13650,13 @@
   <p:clrMapOvr>
     <a:masterClrMapping/>
   </p:clrMapOvr>
-  <mc:AlternateContent xmlns:mc="http://schemas.openxmlformats.org/markup-compatibility/2006">
-    <mc:Choice xmlns:p14="http://schemas.microsoft.com/office/powerpoint/2010/main" Requires="p14">
+  <mc:AlternateContent xmlns:mc="http://schemas.openxmlformats.org/markup-compatibility/2006" xmlns:p14="http://schemas.microsoft.com/office/powerpoint/2010/main">
+    <mc:Choice Requires="p14">
       <p:transition spd="slow" p14:dur="800">
         <p:circle/>
       </p:transition>
     </mc:Choice>
-    <mc:Fallback>
+    <mc:Fallback xmlns="">
       <p:transition spd="slow">
         <p:circle/>
       </p:transition>
@@ -13816,13 +13816,13 @@
   <p:clrMapOvr>
     <a:masterClrMapping/>
   </p:clrMapOvr>
-  <mc:AlternateContent xmlns:mc="http://schemas.openxmlformats.org/markup-compatibility/2006">
-    <mc:Choice xmlns:p14="http://schemas.microsoft.com/office/powerpoint/2010/main" Requires="p14">
+  <mc:AlternateContent xmlns:mc="http://schemas.openxmlformats.org/markup-compatibility/2006" xmlns:p14="http://schemas.microsoft.com/office/powerpoint/2010/main">
+    <mc:Choice Requires="p14">
       <p:transition spd="slow" p14:dur="800">
         <p:circle/>
       </p:transition>
     </mc:Choice>
-    <mc:Fallback>
+    <mc:Fallback xmlns="">
       <p:transition spd="slow">
         <p:circle/>
       </p:transition>
@@ -13929,13 +13929,13 @@
   <p:clrMapOvr>
     <a:masterClrMapping/>
   </p:clrMapOvr>
-  <mc:AlternateContent xmlns:mc="http://schemas.openxmlformats.org/markup-compatibility/2006">
-    <mc:Choice xmlns:p14="http://schemas.microsoft.com/office/powerpoint/2010/main" Requires="p14">
+  <mc:AlternateContent xmlns:mc="http://schemas.openxmlformats.org/markup-compatibility/2006" xmlns:p14="http://schemas.microsoft.com/office/powerpoint/2010/main">
+    <mc:Choice Requires="p14">
       <p:transition spd="slow">
         <p14:flash/>
       </p:transition>
     </mc:Choice>
-    <mc:Fallback>
+    <mc:Fallback xmlns="">
       <p:transition spd="slow">
         <p:fade/>
       </p:transition>
@@ -14376,13 +14376,13 @@
   <p:clrMapOvr>
     <a:masterClrMapping/>
   </p:clrMapOvr>
-  <mc:AlternateContent xmlns:mc="http://schemas.openxmlformats.org/markup-compatibility/2006">
-    <mc:Choice xmlns:p14="http://schemas.microsoft.com/office/powerpoint/2010/main" Requires="p14">
+  <mc:AlternateContent xmlns:mc="http://schemas.openxmlformats.org/markup-compatibility/2006" xmlns:p14="http://schemas.microsoft.com/office/powerpoint/2010/main">
+    <mc:Choice Requires="p14">
       <p:transition spd="slow" p14:dur="1500">
         <p:split orient="vert"/>
       </p:transition>
     </mc:Choice>
-    <mc:Fallback>
+    <mc:Fallback xmlns="">
       <p:transition spd="slow">
         <p:split orient="vert"/>
       </p:transition>
@@ -14601,13 +14601,13 @@
   <p:clrMapOvr>
     <a:masterClrMapping/>
   </p:clrMapOvr>
-  <mc:AlternateContent xmlns:mc="http://schemas.openxmlformats.org/markup-compatibility/2006">
-    <mc:Choice xmlns:p14="http://schemas.microsoft.com/office/powerpoint/2010/main" Requires="p14">
+  <mc:AlternateContent xmlns:mc="http://schemas.openxmlformats.org/markup-compatibility/2006" xmlns:p14="http://schemas.microsoft.com/office/powerpoint/2010/main">
+    <mc:Choice Requires="p14">
       <p:transition spd="slow" p14:dur="3400">
         <p14:reveal/>
       </p:transition>
     </mc:Choice>
-    <mc:Fallback>
+    <mc:Fallback xmlns="">
       <p:transition spd="slow">
         <p:fade/>
       </p:transition>
@@ -14966,13 +14966,13 @@
   <p:clrMapOvr>
     <a:masterClrMapping/>
   </p:clrMapOvr>
-  <mc:AlternateContent xmlns:mc="http://schemas.openxmlformats.org/markup-compatibility/2006">
-    <mc:Choice xmlns:p14="http://schemas.microsoft.com/office/powerpoint/2010/main" Requires="p14">
+  <mc:AlternateContent xmlns:mc="http://schemas.openxmlformats.org/markup-compatibility/2006" xmlns:p14="http://schemas.microsoft.com/office/powerpoint/2010/main">
+    <mc:Choice Requires="p14">
       <p:transition spd="slow">
         <p14:flash/>
       </p:transition>
     </mc:Choice>
-    <mc:Fallback>
+    <mc:Fallback xmlns="">
       <p:transition spd="slow">
         <p:fade/>
       </p:transition>
@@ -15095,28 +15095,28 @@
       </p:sp>
       <p:pic>
         <p:nvPicPr>
-          <p:cNvPr id="4" name="Picture 3">
-            <a:extLst>
-              <a:ext uri="{FF2B5EF4-FFF2-40B4-BE49-F238E27FC236}">
-                <a16:creationId xmlns:a16="http://schemas.microsoft.com/office/drawing/2014/main" xmlns="" id="{A0BFF99D-C131-0312-2D39-A2535382EB7E}"/>
-              </a:ext>
-            </a:extLst>
-          </p:cNvPr>
+          <p:cNvPr id="3" name="Picture 2"/>
           <p:cNvPicPr>
             <a:picLocks noChangeAspect="1"/>
           </p:cNvPicPr>
           <p:nvPr/>
         </p:nvPicPr>
         <p:blipFill>
-          <a:blip r:embed="rId3"/>
+          <a:blip r:embed="rId3">
+            <a:extLst>
+              <a:ext uri="{28A0092B-C50C-407E-A947-70E740481C1C}">
+                <a14:useLocalDpi xmlns:a14="http://schemas.microsoft.com/office/drawing/2010/main" val="0"/>
+              </a:ext>
+            </a:extLst>
+          </a:blip>
           <a:stretch>
             <a:fillRect/>
           </a:stretch>
         </p:blipFill>
         <p:spPr>
           <a:xfrm>
-            <a:off x="1349828" y="3329287"/>
-            <a:ext cx="5649686" cy="3528713"/>
+            <a:off x="2149930" y="2850823"/>
+            <a:ext cx="3733800" cy="3733800"/>
           </a:xfrm>
           <a:prstGeom prst="rect">
             <a:avLst/>
@@ -15133,13 +15133,13 @@
   <p:clrMapOvr>
     <a:masterClrMapping/>
   </p:clrMapOvr>
-  <mc:AlternateContent xmlns:mc="http://schemas.openxmlformats.org/markup-compatibility/2006">
-    <mc:Choice xmlns:p14="http://schemas.microsoft.com/office/powerpoint/2010/main" Requires="p14">
+  <mc:AlternateContent xmlns:mc="http://schemas.openxmlformats.org/markup-compatibility/2006" xmlns:p14="http://schemas.microsoft.com/office/powerpoint/2010/main">
+    <mc:Choice Requires="p14">
       <p:transition spd="slow" p14:dur="800">
         <p14:flythrough/>
       </p:transition>
     </mc:Choice>
-    <mc:Fallback>
+    <mc:Fallback xmlns="">
       <p:transition spd="slow">
         <p:fade/>
       </p:transition>
@@ -15437,13 +15437,13 @@
   <p:clrMapOvr>
     <a:masterClrMapping/>
   </p:clrMapOvr>
-  <mc:AlternateContent xmlns:mc="http://schemas.openxmlformats.org/markup-compatibility/2006">
-    <mc:Choice xmlns:p14="http://schemas.microsoft.com/office/powerpoint/2010/main" Requires="p14">
+  <mc:AlternateContent xmlns:mc="http://schemas.openxmlformats.org/markup-compatibility/2006" xmlns:p14="http://schemas.microsoft.com/office/powerpoint/2010/main">
+    <mc:Choice Requires="p14">
       <p:transition spd="med" p14:dur="700">
         <p:fade/>
       </p:transition>
     </mc:Choice>
-    <mc:Fallback>
+    <mc:Fallback xmlns="">
       <p:transition spd="med">
         <p:fade/>
       </p:transition>
@@ -15601,13 +15601,13 @@
   <p:clrMapOvr>
     <a:masterClrMapping/>
   </p:clrMapOvr>
-  <mc:AlternateContent xmlns:mc="http://schemas.openxmlformats.org/markup-compatibility/2006">
-    <mc:Choice xmlns:p14="http://schemas.microsoft.com/office/powerpoint/2010/main" Requires="p14">
+  <mc:AlternateContent xmlns:mc="http://schemas.openxmlformats.org/markup-compatibility/2006" xmlns:p14="http://schemas.microsoft.com/office/powerpoint/2010/main">
+    <mc:Choice Requires="p14">
       <p:transition spd="slow" p14:dur="800">
         <p:circle/>
       </p:transition>
     </mc:Choice>
-    <mc:Fallback>
+    <mc:Fallback xmlns="">
       <p:transition spd="slow">
         <p:circle/>
       </p:transition>
@@ -15765,13 +15765,13 @@
   <p:clrMapOvr>
     <a:masterClrMapping/>
   </p:clrMapOvr>
-  <mc:AlternateContent xmlns:mc="http://schemas.openxmlformats.org/markup-compatibility/2006">
-    <mc:Choice xmlns:p14="http://schemas.microsoft.com/office/powerpoint/2010/main" Requires="p14">
+  <mc:AlternateContent xmlns:mc="http://schemas.openxmlformats.org/markup-compatibility/2006" xmlns:p14="http://schemas.microsoft.com/office/powerpoint/2010/main">
+    <mc:Choice Requires="p14">
       <p:transition spd="slow">
         <p14:flash/>
       </p:transition>
     </mc:Choice>
-    <mc:Fallback>
+    <mc:Fallback xmlns="">
       <p:transition spd="slow">
         <p:fade/>
       </p:transition>
@@ -15942,13 +15942,13 @@
   <p:clrMapOvr>
     <a:masterClrMapping/>
   </p:clrMapOvr>
-  <mc:AlternateContent xmlns:mc="http://schemas.openxmlformats.org/markup-compatibility/2006">
-    <mc:Choice xmlns:p14="http://schemas.microsoft.com/office/powerpoint/2010/main" Requires="p14">
+  <mc:AlternateContent xmlns:mc="http://schemas.openxmlformats.org/markup-compatibility/2006" xmlns:p14="http://schemas.microsoft.com/office/powerpoint/2010/main">
+    <mc:Choice Requires="p14">
       <p:transition spd="slow" p14:dur="3400">
         <p14:reveal/>
       </p:transition>
     </mc:Choice>
-    <mc:Fallback>
+    <mc:Fallback xmlns="">
       <p:transition spd="slow">
         <p:fade/>
       </p:transition>
@@ -16024,13 +16024,13 @@
   <p:clrMapOvr>
     <a:masterClrMapping/>
   </p:clrMapOvr>
-  <mc:AlternateContent xmlns:mc="http://schemas.openxmlformats.org/markup-compatibility/2006">
-    <mc:Choice xmlns:p14="http://schemas.microsoft.com/office/powerpoint/2010/main" Requires="p14">
+  <mc:AlternateContent xmlns:mc="http://schemas.openxmlformats.org/markup-compatibility/2006" xmlns:p14="http://schemas.microsoft.com/office/powerpoint/2010/main">
+    <mc:Choice Requires="p14">
       <p:transition spd="slow">
         <p14:flash/>
       </p:transition>
     </mc:Choice>
-    <mc:Fallback>
+    <mc:Fallback xmlns="">
       <p:transition spd="slow">
         <p:fade/>
       </p:transition>
@@ -16312,12 +16312,16 @@
               <a:buChar char="o"/>
             </a:pPr>
             <a:r>
-              <a:rPr lang="en-IN" b="1" dirty="0"/>
-              <a:t>Random Forest Classifier</a:t>
+              <a:rPr lang="en-IN" b="1" dirty="0" smtClean="0"/>
+              <a:t>Logistic Regression</a:t>
+            </a:r>
+            <a:r>
+              <a:rPr lang="en-IN" dirty="0" smtClean="0"/>
+              <a:t> </a:t>
             </a:r>
             <a:r>
               <a:rPr lang="en-IN" dirty="0"/>
-              <a:t> – used for classifying real vs fake news</a:t>
+              <a:t>– used for classifying real vs fake news</a:t>
             </a:r>
           </a:p>
           <a:p>
@@ -16330,9 +16334,18 @@
               <a:t>Frontend : </a:t>
             </a:r>
             <a:r>
+              <a:rPr lang="en-IN" dirty="0" smtClean="0"/>
+              <a:t>HTML</a:t>
+            </a:r>
+            <a:r>
               <a:rPr lang="en-IN" dirty="0"/>
-              <a:t>HTML, CSS  for creating a simple and clean    user interface</a:t>
-            </a:r>
+              <a:t>, CSS  for creating a simple and clean    user </a:t>
+            </a:r>
+            <a:r>
+              <a:rPr lang="en-IN" dirty="0" smtClean="0"/>
+              <a:t>interface with Flask</a:t>
+            </a:r>
+            <a:endParaRPr lang="en-IN" dirty="0"/>
           </a:p>
           <a:p>
             <a:r>
@@ -16363,13 +16376,13 @@
   <p:clrMapOvr>
     <a:masterClrMapping/>
   </p:clrMapOvr>
-  <mc:AlternateContent xmlns:mc="http://schemas.openxmlformats.org/markup-compatibility/2006">
-    <mc:Choice xmlns:p14="http://schemas.microsoft.com/office/powerpoint/2010/main" Requires="p14">
+  <mc:AlternateContent xmlns:mc="http://schemas.openxmlformats.org/markup-compatibility/2006" xmlns:p14="http://schemas.microsoft.com/office/powerpoint/2010/main">
+    <mc:Choice Requires="p14">
       <p:transition spd="med" p14:dur="700">
         <p:fade/>
       </p:transition>
     </mc:Choice>
-    <mc:Fallback>
+    <mc:Fallback xmlns="">
       <p:transition spd="med">
         <p:fade/>
       </p:transition>
@@ -17057,13 +17070,13 @@
   <p:clrMapOvr>
     <a:masterClrMapping/>
   </p:clrMapOvr>
-  <mc:AlternateContent xmlns:mc="http://schemas.openxmlformats.org/markup-compatibility/2006">
-    <mc:Choice xmlns:p14="http://schemas.microsoft.com/office/powerpoint/2010/main" Requires="p14">
+  <mc:AlternateContent xmlns:mc="http://schemas.openxmlformats.org/markup-compatibility/2006" xmlns:p14="http://schemas.microsoft.com/office/powerpoint/2010/main">
+    <mc:Choice Requires="p14">
       <p:transition spd="slow" p14:dur="800">
         <p:circle/>
       </p:transition>
     </mc:Choice>
-    <mc:Fallback>
+    <mc:Fallback xmlns="">
       <p:transition spd="slow">
         <p:circle/>
       </p:transition>
@@ -17559,13 +17572,13 @@
   <p:clrMapOvr>
     <a:masterClrMapping/>
   </p:clrMapOvr>
-  <mc:AlternateContent xmlns:mc="http://schemas.openxmlformats.org/markup-compatibility/2006">
-    <mc:Choice xmlns:p14="http://schemas.microsoft.com/office/powerpoint/2010/main" Requires="p14">
+  <mc:AlternateContent xmlns:mc="http://schemas.openxmlformats.org/markup-compatibility/2006" xmlns:p14="http://schemas.microsoft.com/office/powerpoint/2010/main">
+    <mc:Choice Requires="p14">
       <p:transition spd="slow" p14:dur="1500">
         <p:split orient="vert"/>
       </p:transition>
     </mc:Choice>
-    <mc:Fallback>
+    <mc:Fallback xmlns="">
       <p:transition spd="slow">
         <p:split orient="vert"/>
       </p:transition>
